--- a/ComputerVision_Semester1/FinalProject/Final_Project.pptx
+++ b/ComputerVision_Semester1/FinalProject/Final_Project.pptx
@@ -17352,23 +17352,60 @@
             <p:ph type="subTitle" idx="1"/>
           </p:nvPr>
         </p:nvSpPr>
-        <p:spPr/>
+        <p:spPr>
+          <a:xfrm>
+            <a:off x="1293845" y="5432563"/>
+            <a:ext cx="9604310" cy="724955"/>
+          </a:xfrm>
+        </p:spPr>
         <p:txBody>
           <a:bodyPr>
             <a:normAutofit fontScale="77500" lnSpcReduction="20000"/>
           </a:bodyPr>
           <a:lstStyle/>
           <a:p>
+            <a:pPr>
+              <a:spcBef>
+                <a:spcPts val="400"/>
+              </a:spcBef>
+            </a:pPr>
             <a:r>
               <a:rPr lang="en-US" dirty="0"/>
               <a:t>Student: Huynh Van Thong</a:t>
             </a:r>
           </a:p>
           <a:p>
+            <a:pPr>
+              <a:spcBef>
+                <a:spcPts val="400"/>
+              </a:spcBef>
+            </a:pPr>
             <a:r>
               <a:rPr lang="en-US" dirty="0"/>
               <a:t>Course: Computer Vision</a:t>
             </a:r>
+          </a:p>
+          <a:p>
+            <a:pPr>
+              <a:spcBef>
+                <a:spcPts val="400"/>
+              </a:spcBef>
+            </a:pPr>
+            <a:r>
+              <a:rPr lang="en-US" dirty="0" err="1"/>
+              <a:t>Github</a:t>
+            </a:r>
+            <a:r>
+              <a:rPr lang="en-US" dirty="0"/>
+              <a:t>: </a:t>
+            </a:r>
+            <a:r>
+              <a:rPr lang="en-US" dirty="0">
+                <a:hlinkClick r:id="rId2"/>
+              </a:rPr>
+              <a:t>https://goo.gl/xYi2kR</a:t>
+            </a:r>
+            <a:endParaRPr lang="en-US" dirty="0"/>
           </a:p>
         </p:txBody>
       </p:sp>
